--- a/Transmission Lines.pptx
+++ b/Transmission Lines.pptx
@@ -10,8 +10,9 @@
     <p:sldId id="257" r:id="rId4"/>
     <p:sldId id="258" r:id="rId5"/>
     <p:sldId id="260" r:id="rId6"/>
-    <p:sldId id="261" r:id="rId7"/>
-    <p:sldId id="262" r:id="rId8"/>
+    <p:sldId id="263" r:id="rId7"/>
+    <p:sldId id="261" r:id="rId8"/>
+    <p:sldId id="262" r:id="rId9"/>
   </p:sldIdLst>
   <p:sldSz cx="12192000" cy="6858000"/>
   <p:notesSz cx="6858000" cy="9144000"/>
@@ -110,6 +111,11 @@
       </a:defRPr>
     </a:lvl9pPr>
   </p:defaultTextStyle>
+  <p:extLst>
+    <p:ext uri="{EFAFB233-063F-42B5-8137-9DF3F51BA10A}">
+      <p15:sldGuideLst xmlns:p15="http://schemas.microsoft.com/office/powerpoint/2012/main"/>
+    </p:ext>
+  </p:extLst>
 </p:presentation>
 </file>
 
@@ -244,7 +250,7 @@
           <a:p>
             <a:fld id="{E9095DDD-2EC0-4703-B21A-0FCE109507A7}" type="datetimeFigureOut">
               <a:rPr lang="en-US" smtClean="0"/>
-              <a:t>7/25/2016</a:t>
+              <a:t>7/28/2016</a:t>
             </a:fld>
             <a:endParaRPr lang="en-US"/>
           </a:p>
@@ -414,7 +420,7 @@
           <a:p>
             <a:fld id="{E9095DDD-2EC0-4703-B21A-0FCE109507A7}" type="datetimeFigureOut">
               <a:rPr lang="en-US" smtClean="0"/>
-              <a:t>7/25/2016</a:t>
+              <a:t>7/28/2016</a:t>
             </a:fld>
             <a:endParaRPr lang="en-US"/>
           </a:p>
@@ -594,7 +600,7 @@
           <a:p>
             <a:fld id="{E9095DDD-2EC0-4703-B21A-0FCE109507A7}" type="datetimeFigureOut">
               <a:rPr lang="en-US" smtClean="0"/>
-              <a:t>7/25/2016</a:t>
+              <a:t>7/28/2016</a:t>
             </a:fld>
             <a:endParaRPr lang="en-US"/>
           </a:p>
@@ -764,7 +770,7 @@
           <a:p>
             <a:fld id="{E9095DDD-2EC0-4703-B21A-0FCE109507A7}" type="datetimeFigureOut">
               <a:rPr lang="en-US" smtClean="0"/>
-              <a:t>7/25/2016</a:t>
+              <a:t>7/28/2016</a:t>
             </a:fld>
             <a:endParaRPr lang="en-US"/>
           </a:p>
@@ -1010,7 +1016,7 @@
           <a:p>
             <a:fld id="{E9095DDD-2EC0-4703-B21A-0FCE109507A7}" type="datetimeFigureOut">
               <a:rPr lang="en-US" smtClean="0"/>
-              <a:t>7/25/2016</a:t>
+              <a:t>7/28/2016</a:t>
             </a:fld>
             <a:endParaRPr lang="en-US"/>
           </a:p>
@@ -1242,7 +1248,7 @@
           <a:p>
             <a:fld id="{E9095DDD-2EC0-4703-B21A-0FCE109507A7}" type="datetimeFigureOut">
               <a:rPr lang="en-US" smtClean="0"/>
-              <a:t>7/25/2016</a:t>
+              <a:t>7/28/2016</a:t>
             </a:fld>
             <a:endParaRPr lang="en-US"/>
           </a:p>
@@ -1609,7 +1615,7 @@
           <a:p>
             <a:fld id="{E9095DDD-2EC0-4703-B21A-0FCE109507A7}" type="datetimeFigureOut">
               <a:rPr lang="en-US" smtClean="0"/>
-              <a:t>7/25/2016</a:t>
+              <a:t>7/28/2016</a:t>
             </a:fld>
             <a:endParaRPr lang="en-US"/>
           </a:p>
@@ -1727,7 +1733,7 @@
           <a:p>
             <a:fld id="{E9095DDD-2EC0-4703-B21A-0FCE109507A7}" type="datetimeFigureOut">
               <a:rPr lang="en-US" smtClean="0"/>
-              <a:t>7/25/2016</a:t>
+              <a:t>7/28/2016</a:t>
             </a:fld>
             <a:endParaRPr lang="en-US"/>
           </a:p>
@@ -1822,7 +1828,7 @@
           <a:p>
             <a:fld id="{E9095DDD-2EC0-4703-B21A-0FCE109507A7}" type="datetimeFigureOut">
               <a:rPr lang="en-US" smtClean="0"/>
-              <a:t>7/25/2016</a:t>
+              <a:t>7/28/2016</a:t>
             </a:fld>
             <a:endParaRPr lang="en-US"/>
           </a:p>
@@ -2099,7 +2105,7 @@
           <a:p>
             <a:fld id="{E9095DDD-2EC0-4703-B21A-0FCE109507A7}" type="datetimeFigureOut">
               <a:rPr lang="en-US" smtClean="0"/>
-              <a:t>7/25/2016</a:t>
+              <a:t>7/28/2016</a:t>
             </a:fld>
             <a:endParaRPr lang="en-US"/>
           </a:p>
@@ -2352,7 +2358,7 @@
           <a:p>
             <a:fld id="{E9095DDD-2EC0-4703-B21A-0FCE109507A7}" type="datetimeFigureOut">
               <a:rPr lang="en-US" smtClean="0"/>
-              <a:t>7/25/2016</a:t>
+              <a:t>7/28/2016</a:t>
             </a:fld>
             <a:endParaRPr lang="en-US"/>
           </a:p>
@@ -2565,7 +2571,7 @@
           <a:p>
             <a:fld id="{E9095DDD-2EC0-4703-B21A-0FCE109507A7}" type="datetimeFigureOut">
               <a:rPr lang="en-US" smtClean="0"/>
-              <a:t>7/25/2016</a:t>
+              <a:t>7/28/2016</a:t>
             </a:fld>
             <a:endParaRPr lang="en-US"/>
           </a:p>
@@ -3067,7 +3073,11 @@
           <a:p>
             <a:r>
               <a:rPr lang="en-US" dirty="0" smtClean="0"/>
-              <a:t>Transmission Line</a:t>
+              <a:t>Transmission </a:t>
+            </a:r>
+            <a:r>
+              <a:rPr lang="en-US" dirty="0" smtClean="0"/>
+              <a:t>Line with 28, 14, or 10 Drop-offs</a:t>
             </a:r>
             <a:endParaRPr lang="en-US" dirty="0"/>
           </a:p>
@@ -3090,7 +3100,11 @@
           <a:p>
             <a:r>
               <a:rPr lang="en-US" dirty="0" smtClean="0"/>
-              <a:t>28 Capacitive drop-offs for signal devices</a:t>
+              <a:t>Capacitive </a:t>
+            </a:r>
+            <a:r>
+              <a:rPr lang="en-US" dirty="0" smtClean="0"/>
+              <a:t>drop-offs for signal devices</a:t>
             </a:r>
           </a:p>
           <a:p>
@@ -3117,8 +3131,54 @@
         </p:blipFill>
         <p:spPr>
           <a:xfrm>
-            <a:off x="350292" y="4041616"/>
+            <a:off x="350292" y="2835116"/>
             <a:ext cx="11491415" cy="2135347"/>
+          </a:xfrm>
+          <a:prstGeom prst="rect">
+            <a:avLst/>
+          </a:prstGeom>
+        </p:spPr>
+      </p:pic>
+      <p:pic>
+        <p:nvPicPr>
+          <p:cNvPr id="5" name="Picture 4"/>
+          <p:cNvPicPr>
+            <a:picLocks noChangeAspect="1"/>
+          </p:cNvPicPr>
+          <p:nvPr/>
+        </p:nvPicPr>
+        <p:blipFill rotWithShape="1">
+          <a:blip r:embed="rId3"/>
+          <a:srcRect t="32031" r="12813" b="38151"/>
+          <a:stretch/>
+        </p:blipFill>
+        <p:spPr>
+          <a:xfrm>
+            <a:off x="350292" y="5118100"/>
+            <a:ext cx="5961608" cy="1631073"/>
+          </a:xfrm>
+          <a:prstGeom prst="rect">
+            <a:avLst/>
+          </a:prstGeom>
+        </p:spPr>
+      </p:pic>
+      <p:pic>
+        <p:nvPicPr>
+          <p:cNvPr id="7" name="Picture 6"/>
+          <p:cNvPicPr>
+            <a:picLocks noChangeAspect="1"/>
+          </p:cNvPicPr>
+          <p:nvPr/>
+        </p:nvPicPr>
+        <p:blipFill rotWithShape="1">
+          <a:blip r:embed="rId4"/>
+          <a:srcRect t="34505" r="21979" b="32943"/>
+          <a:stretch/>
+        </p:blipFill>
+        <p:spPr>
+          <a:xfrm>
+            <a:off x="6972299" y="5118100"/>
+            <a:ext cx="4869407" cy="1625303"/>
           </a:xfrm>
           <a:prstGeom prst="rect">
             <a:avLst/>
@@ -3135,6 +3195,13 @@
   <p:clrMapOvr>
     <a:masterClrMapping/>
   </p:clrMapOvr>
+  <p:timing>
+    <p:tnLst>
+      <p:par>
+        <p:cTn id="1" dur="indefinite" restart="never" nodeType="tmRoot"/>
+      </p:par>
+    </p:tnLst>
+  </p:timing>
 </p:sld>
 </file>
 
@@ -3569,6 +3636,78 @@
 </file>
 
 <file path=ppt/slides/slide6.xml><?xml version="1.0" encoding="utf-8"?>
+<p:sld xmlns:a="http://schemas.openxmlformats.org/drawingml/2006/main" xmlns:r="http://schemas.openxmlformats.org/officeDocument/2006/relationships" xmlns:p="http://schemas.openxmlformats.org/presentationml/2006/main">
+  <p:cSld>
+    <p:spTree>
+      <p:nvGrpSpPr>
+        <p:cNvPr id="1" name=""/>
+        <p:cNvGrpSpPr/>
+        <p:nvPr/>
+      </p:nvGrpSpPr>
+      <p:grpSpPr>
+        <a:xfrm>
+          <a:off x="0" y="0"/>
+          <a:ext cx="0" cy="0"/>
+          <a:chOff x="0" y="0"/>
+          <a:chExt cx="0" cy="0"/>
+        </a:xfrm>
+      </p:grpSpPr>
+      <p:sp>
+        <p:nvSpPr>
+          <p:cNvPr id="2" name="Title 1"/>
+          <p:cNvSpPr>
+            <a:spLocks noGrp="1"/>
+          </p:cNvSpPr>
+          <p:nvPr>
+            <p:ph type="title"/>
+          </p:nvPr>
+        </p:nvSpPr>
+        <p:spPr/>
+        <p:txBody>
+          <a:bodyPr/>
+          <a:lstStyle/>
+          <a:p>
+            <a:r>
+              <a:rPr lang="en-US" dirty="0" err="1" smtClean="0"/>
+              <a:t>Auto_LTSpice_Now</a:t>
+            </a:r>
+            <a:endParaRPr lang="en-US" dirty="0"/>
+          </a:p>
+        </p:txBody>
+      </p:sp>
+      <p:sp>
+        <p:nvSpPr>
+          <p:cNvPr id="3" name="Content Placeholder 2"/>
+          <p:cNvSpPr>
+            <a:spLocks noGrp="1"/>
+          </p:cNvSpPr>
+          <p:nvPr>
+            <p:ph idx="1"/>
+          </p:nvPr>
+        </p:nvSpPr>
+        <p:spPr/>
+        <p:txBody>
+          <a:bodyPr/>
+          <a:lstStyle/>
+          <a:p>
+            <a:endParaRPr lang="en-US"/>
+          </a:p>
+        </p:txBody>
+      </p:sp>
+    </p:spTree>
+    <p:extLst>
+      <p:ext uri="{BB962C8B-B14F-4D97-AF65-F5344CB8AC3E}">
+        <p14:creationId xmlns:p14="http://schemas.microsoft.com/office/powerpoint/2010/main" val="3647144762"/>
+      </p:ext>
+    </p:extLst>
+  </p:cSld>
+  <p:clrMapOvr>
+    <a:masterClrMapping/>
+  </p:clrMapOvr>
+</p:sld>
+</file>
+
+<file path=ppt/slides/slide7.xml><?xml version="1.0" encoding="utf-8"?>
 <p:sld xmlns:a="http://schemas.openxmlformats.org/drawingml/2006/main" xmlns:r="http://schemas.openxmlformats.org/officeDocument/2006/relationships" xmlns:p="http://schemas.openxmlformats.org/presentationml/2006/main">
   <p:cSld>
     <p:spTree>
@@ -4157,11 +4296,7 @@
           <a:p>
             <a:r>
               <a:rPr lang="en-US" sz="1400" dirty="0" smtClean="0"/>
-              <a:t>Transient Analysis CSV Files </a:t>
-            </a:r>
-            <a:r>
-              <a:rPr lang="en-US" sz="1400" dirty="0" smtClean="0"/>
-              <a:t>named by RLC values</a:t>
+              <a:t>Transient Analysis CSV Files named by RLC values</a:t>
             </a:r>
           </a:p>
         </p:txBody>
@@ -4287,7 +4422,7 @@
 </p:sld>
 </file>
 
-<file path=ppt/slides/slide7.xml><?xml version="1.0" encoding="utf-8"?>
+<file path=ppt/slides/slide8.xml><?xml version="1.0" encoding="utf-8"?>
 <p:sld xmlns:a="http://schemas.openxmlformats.org/drawingml/2006/main" xmlns:r="http://schemas.openxmlformats.org/officeDocument/2006/relationships" xmlns:p="http://schemas.openxmlformats.org/presentationml/2006/main">
   <p:cSld>
     <p:spTree>
@@ -4321,7 +4456,11 @@
           <a:p>
             <a:r>
               <a:rPr lang="en-US" dirty="0" smtClean="0"/>
-              <a:t>Final Run – Python Scripts</a:t>
+              <a:t>Final </a:t>
+            </a:r>
+            <a:r>
+              <a:rPr lang="en-US" dirty="0" smtClean="0"/>
+              <a:t>Run – Python Scripts</a:t>
             </a:r>
             <a:endParaRPr lang="en-US" dirty="0"/>
           </a:p>
